--- a/BST/Geometric Applications/Interval Search by Iordache Lucian/Presentation/Interval search tree.pptx
+++ b/BST/Geometric Applications/Interval Search by Iordache Lucian/Presentation/Interval search tree.pptx
@@ -289,7 +289,7 @@
             <a:fld id="{4F9D2670-2893-4A52-901E-443950DADFA9}" type="datetimeFigureOut">
               <a:rPr lang="ro-RO" smtClean="0"/>
               <a:pPr/>
-              <a:t>14.04.2014</a:t>
+              <a:t>15.04.2014</a:t>
             </a:fld>
             <a:endParaRPr lang="ro-RO"/>
           </a:p>
@@ -456,7 +456,7 @@
             <a:fld id="{4F9D2670-2893-4A52-901E-443950DADFA9}" type="datetimeFigureOut">
               <a:rPr lang="ro-RO" smtClean="0"/>
               <a:pPr/>
-              <a:t>14.04.2014</a:t>
+              <a:t>15.04.2014</a:t>
             </a:fld>
             <a:endParaRPr lang="ro-RO"/>
           </a:p>
@@ -633,7 +633,7 @@
             <a:fld id="{4F9D2670-2893-4A52-901E-443950DADFA9}" type="datetimeFigureOut">
               <a:rPr lang="ro-RO" smtClean="0"/>
               <a:pPr/>
-              <a:t>14.04.2014</a:t>
+              <a:t>15.04.2014</a:t>
             </a:fld>
             <a:endParaRPr lang="ro-RO"/>
           </a:p>
@@ -800,7 +800,7 @@
             <a:fld id="{4F9D2670-2893-4A52-901E-443950DADFA9}" type="datetimeFigureOut">
               <a:rPr lang="ro-RO" smtClean="0"/>
               <a:pPr/>
-              <a:t>14.04.2014</a:t>
+              <a:t>15.04.2014</a:t>
             </a:fld>
             <a:endParaRPr lang="ro-RO"/>
           </a:p>
@@ -1044,7 +1044,7 @@
             <a:fld id="{4F9D2670-2893-4A52-901E-443950DADFA9}" type="datetimeFigureOut">
               <a:rPr lang="ro-RO" smtClean="0"/>
               <a:pPr/>
-              <a:t>14.04.2014</a:t>
+              <a:t>15.04.2014</a:t>
             </a:fld>
             <a:endParaRPr lang="ro-RO"/>
           </a:p>
@@ -1310,7 +1310,7 @@
             <a:fld id="{4F9D2670-2893-4A52-901E-443950DADFA9}" type="datetimeFigureOut">
               <a:rPr lang="ro-RO" smtClean="0"/>
               <a:pPr/>
-              <a:t>14.04.2014</a:t>
+              <a:t>15.04.2014</a:t>
             </a:fld>
             <a:endParaRPr lang="ro-RO"/>
           </a:p>
@@ -1690,7 +1690,7 @@
             <a:fld id="{4F9D2670-2893-4A52-901E-443950DADFA9}" type="datetimeFigureOut">
               <a:rPr lang="ro-RO" smtClean="0"/>
               <a:pPr/>
-              <a:t>14.04.2014</a:t>
+              <a:t>15.04.2014</a:t>
             </a:fld>
             <a:endParaRPr lang="ro-RO"/>
           </a:p>
@@ -1842,7 +1842,7 @@
             <a:fld id="{4F9D2670-2893-4A52-901E-443950DADFA9}" type="datetimeFigureOut">
               <a:rPr lang="ro-RO" smtClean="0"/>
               <a:pPr/>
-              <a:t>14.04.2014</a:t>
+              <a:t>15.04.2014</a:t>
             </a:fld>
             <a:endParaRPr lang="ro-RO"/>
           </a:p>
@@ -1934,7 +1934,7 @@
             <a:fld id="{4F9D2670-2893-4A52-901E-443950DADFA9}" type="datetimeFigureOut">
               <a:rPr lang="ro-RO" smtClean="0"/>
               <a:pPr/>
-              <a:t>14.04.2014</a:t>
+              <a:t>15.04.2014</a:t>
             </a:fld>
             <a:endParaRPr lang="ro-RO"/>
           </a:p>
@@ -2197,7 +2197,7 @@
             <a:fld id="{4F9D2670-2893-4A52-901E-443950DADFA9}" type="datetimeFigureOut">
               <a:rPr lang="ro-RO" smtClean="0"/>
               <a:pPr/>
-              <a:t>14.04.2014</a:t>
+              <a:t>15.04.2014</a:t>
             </a:fld>
             <a:endParaRPr lang="ro-RO"/>
           </a:p>
@@ -2487,7 +2487,7 @@
             <a:fld id="{4F9D2670-2893-4A52-901E-443950DADFA9}" type="datetimeFigureOut">
               <a:rPr lang="ro-RO" smtClean="0"/>
               <a:pPr/>
-              <a:t>14.04.2014</a:t>
+              <a:t>15.04.2014</a:t>
             </a:fld>
             <a:endParaRPr lang="ro-RO"/>
           </a:p>
@@ -3260,7 +3260,7 @@
             <a:fld id="{4F9D2670-2893-4A52-901E-443950DADFA9}" type="datetimeFigureOut">
               <a:rPr lang="ro-RO" smtClean="0"/>
               <a:pPr/>
-              <a:t>14.04.2014</a:t>
+              <a:t>15.04.2014</a:t>
             </a:fld>
             <a:endParaRPr lang="ro-RO"/>
           </a:p>
@@ -3952,7 +3952,7 @@
         <p:spPr>
           <a:xfrm>
             <a:off x="1071538" y="3929066"/>
-            <a:ext cx="3000396" cy="1200329"/>
+            <a:ext cx="3000396" cy="923330"/>
           </a:xfrm>
           <a:prstGeom prst="rect">
             <a:avLst/>
@@ -3967,11 +3967,7 @@
           <a:p>
             <a:r>
               <a:rPr lang="ro-RO" b="1" dirty="0" smtClean="0"/>
-              <a:t>Supervisor</a:t>
-            </a:r>
-            <a:r>
-              <a:rPr lang="ro-RO" b="1" dirty="0" smtClean="0"/>
-              <a:t>:</a:t>
+              <a:t>Supervisor:</a:t>
             </a:r>
             <a:r>
               <a:rPr lang="ro-RO" dirty="0" smtClean="0"/>
@@ -3981,11 +3977,35 @@
               <a:rPr lang="ro-RO" dirty="0" smtClean="0"/>
             </a:br>
             <a:r>
-              <a:rPr lang="ro-RO" dirty="0" smtClean="0"/>
-              <a:t>Lecturer Ph.D. Cristian Mihăescu</a:t>
-            </a:r>
-          </a:p>
-          <a:p>
+              <a:rPr lang="en-US" dirty="0" smtClean="0">
+                <a:latin typeface="Constantia" charset="0"/>
+              </a:rPr>
+              <a:t> Associate professor </a:t>
+            </a:r>
+            <a:r>
+              <a:rPr lang="en-US" dirty="0" err="1" smtClean="0">
+                <a:latin typeface="Constantia" charset="0"/>
+              </a:rPr>
+              <a:t>Cristian</a:t>
+            </a:r>
+            <a:r>
+              <a:rPr lang="en-US" dirty="0" smtClean="0">
+                <a:latin typeface="Constantia" charset="0"/>
+              </a:rPr>
+              <a:t> </a:t>
+            </a:r>
+            <a:r>
+              <a:rPr lang="en-US" dirty="0" err="1" smtClean="0">
+                <a:latin typeface="Constantia" charset="0"/>
+              </a:rPr>
+              <a:t>Mihăescu</a:t>
+            </a:r>
+            <a:r>
+              <a:rPr lang="en-US" dirty="0" smtClean="0">
+                <a:latin typeface="Constantia" charset="0"/>
+              </a:rPr>
+              <a:t>, PhD.</a:t>
+            </a:r>
             <a:endParaRPr lang="ro-RO" dirty="0"/>
           </a:p>
         </p:txBody>
@@ -4021,11 +4041,7 @@
           <a:p>
             <a:r>
               <a:rPr lang="ro-RO" dirty="0" smtClean="0"/>
-              <a:t>Lucian </a:t>
-            </a:r>
-            <a:r>
-              <a:rPr lang="ro-RO" dirty="0" smtClean="0"/>
-              <a:t>Iordache</a:t>
+              <a:t>Lucian Iordache</a:t>
             </a:r>
           </a:p>
           <a:p>
@@ -4589,11 +4605,7 @@
             </a:r>
             <a:r>
               <a:rPr lang="en-US" dirty="0" smtClean="0"/>
-              <a:t> </a:t>
-            </a:r>
-            <a:r>
-              <a:rPr lang="en-US" dirty="0" smtClean="0"/>
-              <a:t>≤ </a:t>
+              <a:t> ≤ </a:t>
             </a:r>
             <a:r>
               <a:rPr lang="en-US" i="1" dirty="0" err="1" smtClean="0"/>
@@ -4993,11 +5005,7 @@
             </a:r>
             <a:r>
               <a:rPr lang="ro-RO" dirty="0" smtClean="0"/>
-              <a:t>(n</a:t>
-            </a:r>
-            <a:r>
-              <a:rPr lang="ro-RO" dirty="0" smtClean="0"/>
-              <a:t>) time,</a:t>
+              <a:t>(n) time,</a:t>
             </a:r>
             <a:r>
               <a:rPr lang="en-US" dirty="0" smtClean="0"/>
@@ -5055,11 +5063,7 @@
             </a:r>
             <a:r>
               <a:rPr lang="ro-RO" dirty="0" smtClean="0"/>
-              <a:t>(n</a:t>
-            </a:r>
-            <a:r>
-              <a:rPr lang="ro-RO" dirty="0" smtClean="0"/>
-              <a:t>)  worst case(when all intervals intersects),</a:t>
+              <a:t>(n)  worst case(when all intervals intersects),</a:t>
             </a:r>
             <a:r>
               <a:rPr lang="en-US" dirty="0" smtClean="0"/>
@@ -5071,11 +5075,7 @@
             </a:r>
             <a:r>
               <a:rPr lang="en-US" dirty="0" smtClean="0"/>
-              <a:t> is the number of intervals in the </a:t>
-            </a:r>
-            <a:r>
-              <a:rPr lang="en-US" dirty="0" smtClean="0"/>
-              <a:t>collection</a:t>
+              <a:t> is the number of intervals in the collection</a:t>
             </a:r>
             <a:r>
               <a:rPr lang="ro-RO" dirty="0" smtClean="0"/>
@@ -5388,23 +5388,7 @@
             </a:pPr>
             <a:r>
               <a:rPr lang="ro-RO" dirty="0" smtClean="0"/>
-              <a:t>	In our case : a = </a:t>
-            </a:r>
-            <a:r>
-              <a:rPr lang="ro-RO" dirty="0" smtClean="0"/>
-              <a:t>2 </a:t>
-            </a:r>
-            <a:r>
-              <a:rPr lang="ro-RO" dirty="0" smtClean="0"/>
-              <a:t>, b = </a:t>
-            </a:r>
-            <a:r>
-              <a:rPr lang="ro-RO" dirty="0" smtClean="0"/>
-              <a:t>2 </a:t>
-            </a:r>
-            <a:r>
-              <a:rPr lang="ro-RO" dirty="0" smtClean="0"/>
-              <a:t>, f(n) = </a:t>
+              <a:t>	In our case : a = 2 , b = 2 , f(n) = </a:t>
             </a:r>
             <a:r>
               <a:rPr lang="az-Cyrl-AZ" dirty="0" smtClean="0"/>
@@ -5416,15 +5400,7 @@
             </a:r>
             <a:r>
               <a:rPr lang="ro-RO" dirty="0" smtClean="0"/>
-              <a:t>1),so </a:t>
-            </a:r>
-            <a:r>
-              <a:rPr lang="ro-RO" dirty="0" smtClean="0"/>
-              <a:t>recurence relation is</a:t>
-            </a:r>
-            <a:r>
-              <a:rPr lang="ro-RO" dirty="0" smtClean="0"/>
-              <a:t>:</a:t>
+              <a:t>1),so recurence relation is:</a:t>
             </a:r>
           </a:p>
         </p:txBody>

--- a/BST/Geometric Applications/Interval Search by Iordache Lucian/Presentation/Interval search tree.pptx
+++ b/BST/Geometric Applications/Interval Search by Iordache Lucian/Presentation/Interval search tree.pptx
@@ -4,6 +4,9 @@
   <p:sldMasterIdLst>
     <p:sldMasterId id="2147483744" r:id="rId1"/>
   </p:sldMasterIdLst>
+  <p:notesMasterIdLst>
+    <p:notesMasterId r:id="rId12"/>
+  </p:notesMasterIdLst>
   <p:sldIdLst>
     <p:sldId id="256" r:id="rId2"/>
     <p:sldId id="258" r:id="rId3"/>
@@ -12,8 +15,9 @@
     <p:sldId id="260" r:id="rId6"/>
     <p:sldId id="262" r:id="rId7"/>
     <p:sldId id="263" r:id="rId8"/>
-    <p:sldId id="264" r:id="rId9"/>
-    <p:sldId id="261" r:id="rId10"/>
+    <p:sldId id="261" r:id="rId9"/>
+    <p:sldId id="264" r:id="rId10"/>
+    <p:sldId id="265" r:id="rId11"/>
   </p:sldIdLst>
   <p:sldSz cx="9144000" cy="6858000" type="screen4x3"/>
   <p:notesSz cx="6858000" cy="9144000"/>
@@ -113,6 +117,353 @@
     </a:lvl9pPr>
   </p:defaultTextStyle>
 </p:presentation>
+</file>
+
+<file path=ppt/notesMasters/notesMaster1.xml><?xml version="1.0" encoding="utf-8"?>
+<p:notesMaster xmlns:a="http://schemas.openxmlformats.org/drawingml/2006/main" xmlns:r="http://schemas.openxmlformats.org/officeDocument/2006/relationships" xmlns:p="http://schemas.openxmlformats.org/presentationml/2006/main">
+  <p:cSld>
+    <p:bg>
+      <p:bgRef idx="1001">
+        <a:schemeClr val="bg1"/>
+      </p:bgRef>
+    </p:bg>
+    <p:spTree>
+      <p:nvGrpSpPr>
+        <p:cNvPr id="1" name=""/>
+        <p:cNvGrpSpPr/>
+        <p:nvPr/>
+      </p:nvGrpSpPr>
+      <p:grpSpPr>
+        <a:xfrm>
+          <a:off x="0" y="0"/>
+          <a:ext cx="0" cy="0"/>
+          <a:chOff x="0" y="0"/>
+          <a:chExt cx="0" cy="0"/>
+        </a:xfrm>
+      </p:grpSpPr>
+      <p:sp>
+        <p:nvSpPr>
+          <p:cNvPr id="2" name="Header Placeholder 1"/>
+          <p:cNvSpPr>
+            <a:spLocks noGrp="1"/>
+          </p:cNvSpPr>
+          <p:nvPr>
+            <p:ph type="hdr" sz="quarter"/>
+          </p:nvPr>
+        </p:nvSpPr>
+        <p:spPr>
+          <a:xfrm>
+            <a:off x="0" y="0"/>
+            <a:ext cx="2971800" cy="457200"/>
+          </a:xfrm>
+          <a:prstGeom prst="rect">
+            <a:avLst/>
+          </a:prstGeom>
+        </p:spPr>
+        <p:txBody>
+          <a:bodyPr vert="horz" lIns="91440" tIns="45720" rIns="91440" bIns="45720" rtlCol="0"/>
+          <a:lstStyle>
+            <a:lvl1pPr algn="l">
+              <a:defRPr sz="1200"/>
+            </a:lvl1pPr>
+          </a:lstStyle>
+          <a:p>
+            <a:endParaRPr lang="ro-RO"/>
+          </a:p>
+        </p:txBody>
+      </p:sp>
+      <p:sp>
+        <p:nvSpPr>
+          <p:cNvPr id="3" name="Date Placeholder 2"/>
+          <p:cNvSpPr>
+            <a:spLocks noGrp="1"/>
+          </p:cNvSpPr>
+          <p:nvPr>
+            <p:ph type="dt" idx="1"/>
+          </p:nvPr>
+        </p:nvSpPr>
+        <p:spPr>
+          <a:xfrm>
+            <a:off x="3884613" y="0"/>
+            <a:ext cx="2971800" cy="457200"/>
+          </a:xfrm>
+          <a:prstGeom prst="rect">
+            <a:avLst/>
+          </a:prstGeom>
+        </p:spPr>
+        <p:txBody>
+          <a:bodyPr vert="horz" lIns="91440" tIns="45720" rIns="91440" bIns="45720" rtlCol="0"/>
+          <a:lstStyle>
+            <a:lvl1pPr algn="r">
+              <a:defRPr sz="1200"/>
+            </a:lvl1pPr>
+          </a:lstStyle>
+          <a:p>
+            <a:fld id="{C5FA22FD-B677-43E8-BB36-348071949439}" type="datetimeFigureOut">
+              <a:rPr lang="ro-RO" smtClean="0"/>
+              <a:t>15.04.2014</a:t>
+            </a:fld>
+            <a:endParaRPr lang="ro-RO"/>
+          </a:p>
+        </p:txBody>
+      </p:sp>
+      <p:sp>
+        <p:nvSpPr>
+          <p:cNvPr id="4" name="Slide Image Placeholder 3"/>
+          <p:cNvSpPr>
+            <a:spLocks noGrp="1" noRot="1" noChangeAspect="1"/>
+          </p:cNvSpPr>
+          <p:nvPr>
+            <p:ph type="sldImg" idx="2"/>
+          </p:nvPr>
+        </p:nvSpPr>
+        <p:spPr>
+          <a:xfrm>
+            <a:off x="1143000" y="685800"/>
+            <a:ext cx="4572000" cy="3429000"/>
+          </a:xfrm>
+          <a:prstGeom prst="rect">
+            <a:avLst/>
+          </a:prstGeom>
+          <a:noFill/>
+          <a:ln w="12700">
+            <a:solidFill>
+              <a:prstClr val="black"/>
+            </a:solidFill>
+          </a:ln>
+        </p:spPr>
+        <p:txBody>
+          <a:bodyPr vert="horz" lIns="91440" tIns="45720" rIns="91440" bIns="45720" rtlCol="0" anchor="ctr"/>
+          <a:lstStyle/>
+          <a:p>
+            <a:endParaRPr lang="ro-RO"/>
+          </a:p>
+        </p:txBody>
+      </p:sp>
+      <p:sp>
+        <p:nvSpPr>
+          <p:cNvPr id="5" name="Notes Placeholder 4"/>
+          <p:cNvSpPr>
+            <a:spLocks noGrp="1"/>
+          </p:cNvSpPr>
+          <p:nvPr>
+            <p:ph type="body" sz="quarter" idx="3"/>
+          </p:nvPr>
+        </p:nvSpPr>
+        <p:spPr>
+          <a:xfrm>
+            <a:off x="685800" y="4343400"/>
+            <a:ext cx="5486400" cy="4114800"/>
+          </a:xfrm>
+          <a:prstGeom prst="rect">
+            <a:avLst/>
+          </a:prstGeom>
+        </p:spPr>
+        <p:txBody>
+          <a:bodyPr vert="horz" lIns="91440" tIns="45720" rIns="91440" bIns="45720" rtlCol="0">
+            <a:normAutofit/>
+          </a:bodyPr>
+          <a:lstStyle/>
+          <a:p>
+            <a:pPr lvl="0"/>
+            <a:r>
+              <a:rPr lang="en-US" smtClean="0"/>
+              <a:t>Click to edit Master text styles</a:t>
+            </a:r>
+          </a:p>
+          <a:p>
+            <a:pPr lvl="1"/>
+            <a:r>
+              <a:rPr lang="en-US" smtClean="0"/>
+              <a:t>Second level</a:t>
+            </a:r>
+          </a:p>
+          <a:p>
+            <a:pPr lvl="2"/>
+            <a:r>
+              <a:rPr lang="en-US" smtClean="0"/>
+              <a:t>Third level</a:t>
+            </a:r>
+          </a:p>
+          <a:p>
+            <a:pPr lvl="3"/>
+            <a:r>
+              <a:rPr lang="en-US" smtClean="0"/>
+              <a:t>Fourth level</a:t>
+            </a:r>
+          </a:p>
+          <a:p>
+            <a:pPr lvl="4"/>
+            <a:r>
+              <a:rPr lang="en-US" smtClean="0"/>
+              <a:t>Fifth level</a:t>
+            </a:r>
+            <a:endParaRPr lang="ro-RO"/>
+          </a:p>
+        </p:txBody>
+      </p:sp>
+      <p:sp>
+        <p:nvSpPr>
+          <p:cNvPr id="6" name="Footer Placeholder 5"/>
+          <p:cNvSpPr>
+            <a:spLocks noGrp="1"/>
+          </p:cNvSpPr>
+          <p:nvPr>
+            <p:ph type="ftr" sz="quarter" idx="4"/>
+          </p:nvPr>
+        </p:nvSpPr>
+        <p:spPr>
+          <a:xfrm>
+            <a:off x="0" y="8685213"/>
+            <a:ext cx="2971800" cy="457200"/>
+          </a:xfrm>
+          <a:prstGeom prst="rect">
+            <a:avLst/>
+          </a:prstGeom>
+        </p:spPr>
+        <p:txBody>
+          <a:bodyPr vert="horz" lIns="91440" tIns="45720" rIns="91440" bIns="45720" rtlCol="0" anchor="b"/>
+          <a:lstStyle>
+            <a:lvl1pPr algn="l">
+              <a:defRPr sz="1200"/>
+            </a:lvl1pPr>
+          </a:lstStyle>
+          <a:p>
+            <a:endParaRPr lang="ro-RO"/>
+          </a:p>
+        </p:txBody>
+      </p:sp>
+      <p:sp>
+        <p:nvSpPr>
+          <p:cNvPr id="7" name="Slide Number Placeholder 6"/>
+          <p:cNvSpPr>
+            <a:spLocks noGrp="1"/>
+          </p:cNvSpPr>
+          <p:nvPr>
+            <p:ph type="sldNum" sz="quarter" idx="5"/>
+          </p:nvPr>
+        </p:nvSpPr>
+        <p:spPr>
+          <a:xfrm>
+            <a:off x="3884613" y="8685213"/>
+            <a:ext cx="2971800" cy="457200"/>
+          </a:xfrm>
+          <a:prstGeom prst="rect">
+            <a:avLst/>
+          </a:prstGeom>
+        </p:spPr>
+        <p:txBody>
+          <a:bodyPr vert="horz" lIns="91440" tIns="45720" rIns="91440" bIns="45720" rtlCol="0" anchor="b"/>
+          <a:lstStyle>
+            <a:lvl1pPr algn="r">
+              <a:defRPr sz="1200"/>
+            </a:lvl1pPr>
+          </a:lstStyle>
+          <a:p>
+            <a:fld id="{415C67D4-E582-43F4-8C1A-7AC79E520494}" type="slidenum">
+              <a:rPr lang="ro-RO" smtClean="0"/>
+              <a:t>‹#›</a:t>
+            </a:fld>
+            <a:endParaRPr lang="ro-RO"/>
+          </a:p>
+        </p:txBody>
+      </p:sp>
+    </p:spTree>
+  </p:cSld>
+  <p:clrMap bg1="lt1" tx1="dk1" bg2="lt2" tx2="dk2" accent1="accent1" accent2="accent2" accent3="accent3" accent4="accent4" accent5="accent5" accent6="accent6" hlink="hlink" folHlink="folHlink"/>
+  <p:notesStyle>
+    <a:lvl1pPr marL="0" algn="l" defTabSz="914400" rtl="0" eaLnBrk="1" latinLnBrk="0" hangingPunct="1">
+      <a:defRPr sz="1200" kern="1200">
+        <a:solidFill>
+          <a:schemeClr val="tx1"/>
+        </a:solidFill>
+        <a:latin typeface="+mn-lt"/>
+        <a:ea typeface="+mn-ea"/>
+        <a:cs typeface="+mn-cs"/>
+      </a:defRPr>
+    </a:lvl1pPr>
+    <a:lvl2pPr marL="457200" algn="l" defTabSz="914400" rtl="0" eaLnBrk="1" latinLnBrk="0" hangingPunct="1">
+      <a:defRPr sz="1200" kern="1200">
+        <a:solidFill>
+          <a:schemeClr val="tx1"/>
+        </a:solidFill>
+        <a:latin typeface="+mn-lt"/>
+        <a:ea typeface="+mn-ea"/>
+        <a:cs typeface="+mn-cs"/>
+      </a:defRPr>
+    </a:lvl2pPr>
+    <a:lvl3pPr marL="914400" algn="l" defTabSz="914400" rtl="0" eaLnBrk="1" latinLnBrk="0" hangingPunct="1">
+      <a:defRPr sz="1200" kern="1200">
+        <a:solidFill>
+          <a:schemeClr val="tx1"/>
+        </a:solidFill>
+        <a:latin typeface="+mn-lt"/>
+        <a:ea typeface="+mn-ea"/>
+        <a:cs typeface="+mn-cs"/>
+      </a:defRPr>
+    </a:lvl3pPr>
+    <a:lvl4pPr marL="1371600" algn="l" defTabSz="914400" rtl="0" eaLnBrk="1" latinLnBrk="0" hangingPunct="1">
+      <a:defRPr sz="1200" kern="1200">
+        <a:solidFill>
+          <a:schemeClr val="tx1"/>
+        </a:solidFill>
+        <a:latin typeface="+mn-lt"/>
+        <a:ea typeface="+mn-ea"/>
+        <a:cs typeface="+mn-cs"/>
+      </a:defRPr>
+    </a:lvl4pPr>
+    <a:lvl5pPr marL="1828800" algn="l" defTabSz="914400" rtl="0" eaLnBrk="1" latinLnBrk="0" hangingPunct="1">
+      <a:defRPr sz="1200" kern="1200">
+        <a:solidFill>
+          <a:schemeClr val="tx1"/>
+        </a:solidFill>
+        <a:latin typeface="+mn-lt"/>
+        <a:ea typeface="+mn-ea"/>
+        <a:cs typeface="+mn-cs"/>
+      </a:defRPr>
+    </a:lvl5pPr>
+    <a:lvl6pPr marL="2286000" algn="l" defTabSz="914400" rtl="0" eaLnBrk="1" latinLnBrk="0" hangingPunct="1">
+      <a:defRPr sz="1200" kern="1200">
+        <a:solidFill>
+          <a:schemeClr val="tx1"/>
+        </a:solidFill>
+        <a:latin typeface="+mn-lt"/>
+        <a:ea typeface="+mn-ea"/>
+        <a:cs typeface="+mn-cs"/>
+      </a:defRPr>
+    </a:lvl6pPr>
+    <a:lvl7pPr marL="2743200" algn="l" defTabSz="914400" rtl="0" eaLnBrk="1" latinLnBrk="0" hangingPunct="1">
+      <a:defRPr sz="1200" kern="1200">
+        <a:solidFill>
+          <a:schemeClr val="tx1"/>
+        </a:solidFill>
+        <a:latin typeface="+mn-lt"/>
+        <a:ea typeface="+mn-ea"/>
+        <a:cs typeface="+mn-cs"/>
+      </a:defRPr>
+    </a:lvl7pPr>
+    <a:lvl8pPr marL="3200400" algn="l" defTabSz="914400" rtl="0" eaLnBrk="1" latinLnBrk="0" hangingPunct="1">
+      <a:defRPr sz="1200" kern="1200">
+        <a:solidFill>
+          <a:schemeClr val="tx1"/>
+        </a:solidFill>
+        <a:latin typeface="+mn-lt"/>
+        <a:ea typeface="+mn-ea"/>
+        <a:cs typeface="+mn-cs"/>
+      </a:defRPr>
+    </a:lvl8pPr>
+    <a:lvl9pPr marL="3657600" algn="l" defTabSz="914400" rtl="0" eaLnBrk="1" latinLnBrk="0" hangingPunct="1">
+      <a:defRPr sz="1200" kern="1200">
+        <a:solidFill>
+          <a:schemeClr val="tx1"/>
+        </a:solidFill>
+        <a:latin typeface="+mn-lt"/>
+        <a:ea typeface="+mn-ea"/>
+        <a:cs typeface="+mn-cs"/>
+      </a:defRPr>
+    </a:lvl9pPr>
+  </p:notesStyle>
+</p:notesMaster>
 </file>
 
 <file path=ppt/slideLayouts/slideLayout1.xml><?xml version="1.0" encoding="utf-8"?>
@@ -3929,15 +4280,7 @@
           <a:p>
             <a:r>
               <a:rPr lang="ro-RO" dirty="0" smtClean="0"/>
-              <a:t>Considering a set of intervals,</a:t>
-            </a:r>
-            <a:r>
-              <a:rPr lang="en-US" dirty="0" smtClean="0"/>
-              <a:t>find all intervals that overlap with any given interval or point</a:t>
-            </a:r>
-            <a:r>
-              <a:rPr lang="ro-RO" dirty="0" smtClean="0"/>
-              <a:t>.</a:t>
+              <a:t>DCTI – IT Companies Seminary</a:t>
             </a:r>
             <a:endParaRPr lang="ro-RO" dirty="0"/>
           </a:p>
@@ -3952,7 +4295,7 @@
         <p:spPr>
           <a:xfrm>
             <a:off x="1071538" y="3929066"/>
-            <a:ext cx="3000396" cy="923330"/>
+            <a:ext cx="3000396" cy="1200329"/>
           </a:xfrm>
           <a:prstGeom prst="rect">
             <a:avLst/>
@@ -3967,45 +4310,22 @@
           <a:p>
             <a:r>
               <a:rPr lang="ro-RO" b="1" dirty="0" smtClean="0"/>
-              <a:t>Supervisor:</a:t>
-            </a:r>
-            <a:r>
-              <a:rPr lang="ro-RO" dirty="0" smtClean="0"/>
-              <a:t/>
-            </a:r>
-            <a:br>
-              <a:rPr lang="ro-RO" dirty="0" smtClean="0"/>
-            </a:br>
-            <a:r>
-              <a:rPr lang="en-US" dirty="0" smtClean="0">
-                <a:latin typeface="Constantia" charset="0"/>
-              </a:rPr>
-              <a:t> Associate professor </a:t>
-            </a:r>
-            <a:r>
-              <a:rPr lang="en-US" dirty="0" err="1" smtClean="0">
-                <a:latin typeface="Constantia" charset="0"/>
-              </a:rPr>
-              <a:t>Cristian</a:t>
-            </a:r>
-            <a:r>
-              <a:rPr lang="en-US" dirty="0" smtClean="0">
-                <a:latin typeface="Constantia" charset="0"/>
-              </a:rPr>
-              <a:t> </a:t>
-            </a:r>
-            <a:r>
-              <a:rPr lang="en-US" dirty="0" err="1" smtClean="0">
-                <a:latin typeface="Constantia" charset="0"/>
-              </a:rPr>
-              <a:t>Mihăescu</a:t>
-            </a:r>
-            <a:r>
-              <a:rPr lang="en-US" dirty="0" smtClean="0">
-                <a:latin typeface="Constantia" charset="0"/>
-              </a:rPr>
-              <a:t>, PhD.</a:t>
-            </a:r>
+              <a:t>Coordinator</a:t>
+            </a:r>
+            <a:r>
+              <a:rPr lang="ro-RO" b="1" dirty="0" smtClean="0"/>
+              <a:t>:</a:t>
+            </a:r>
+            <a:endParaRPr lang="ro-RO" b="1" dirty="0" smtClean="0"/>
+          </a:p>
+          <a:p>
+            <a:r>
+              <a:rPr lang="vi-VN" dirty="0" smtClean="0"/>
+              <a:t> Associate professor Cristian Mihăescu, PhD. </a:t>
+            </a:r>
+            <a:endParaRPr lang="ro-RO" dirty="0" smtClean="0"/>
+          </a:p>
+          <a:p>
             <a:endParaRPr lang="ro-RO" dirty="0"/>
           </a:p>
         </p:txBody>
@@ -4018,8 +4338,8 @@
         </p:nvSpPr>
         <p:spPr>
           <a:xfrm>
-            <a:off x="6215074" y="5072074"/>
-            <a:ext cx="3357586" cy="923330"/>
+            <a:off x="6143636" y="5072074"/>
+            <a:ext cx="3429024" cy="923330"/>
           </a:xfrm>
           <a:prstGeom prst="rect">
             <a:avLst/>
@@ -4041,11 +4361,51 @@
           <a:p>
             <a:r>
               <a:rPr lang="ro-RO" dirty="0" smtClean="0"/>
-              <a:t>Lucian Iordache</a:t>
-            </a:r>
-          </a:p>
-          <a:p>
+              <a:t>Lucian </a:t>
+            </a:r>
+            <a:r>
+              <a:rPr lang="ro-RO" dirty="0" smtClean="0"/>
+              <a:t>Iordache,</a:t>
+            </a:r>
+          </a:p>
+          <a:p>
+            <a:r>
+              <a:rPr lang="ro-RO" dirty="0" smtClean="0"/>
+              <a:t>CE</a:t>
+            </a:r>
+            <a:r>
+              <a:rPr lang="ro-RO" dirty="0" smtClean="0"/>
+              <a:t>, 2-nd year</a:t>
+            </a:r>
             <a:endParaRPr lang="ro-RO" dirty="0"/>
+          </a:p>
+        </p:txBody>
+      </p:sp>
+      <p:sp>
+        <p:nvSpPr>
+          <p:cNvPr id="6" name="Date Placeholder 5"/>
+          <p:cNvSpPr>
+            <a:spLocks noGrp="1"/>
+          </p:cNvSpPr>
+          <p:nvPr>
+            <p:ph type="dt" sz="half" idx="10"/>
+          </p:nvPr>
+        </p:nvSpPr>
+        <p:spPr>
+          <a:xfrm>
+            <a:off x="3786182" y="6215082"/>
+            <a:ext cx="2133600" cy="365125"/>
+          </a:xfrm>
+        </p:spPr>
+        <p:txBody>
+          <a:bodyPr/>
+          <a:lstStyle/>
+          <a:p>
+            <a:r>
+              <a:rPr lang="ro-RO" sz="2000" dirty="0" smtClean="0"/>
+              <a:t>  April, 2014</a:t>
+            </a:r>
+            <a:endParaRPr lang="ro-RO" sz="2000" dirty="0"/>
           </a:p>
         </p:txBody>
       </p:sp>
@@ -4061,6 +4421,113 @@
       </p:par>
     </p:tnLst>
   </p:timing>
+</p:sld>
+</file>
+
+<file path=ppt/slides/slide10.xml><?xml version="1.0" encoding="utf-8"?>
+<p:sld xmlns:a="http://schemas.openxmlformats.org/drawingml/2006/main" xmlns:r="http://schemas.openxmlformats.org/officeDocument/2006/relationships" xmlns:p="http://schemas.openxmlformats.org/presentationml/2006/main">
+  <p:cSld>
+    <p:spTree>
+      <p:nvGrpSpPr>
+        <p:cNvPr id="1" name=""/>
+        <p:cNvGrpSpPr/>
+        <p:nvPr/>
+      </p:nvGrpSpPr>
+      <p:grpSpPr>
+        <a:xfrm>
+          <a:off x="0" y="0"/>
+          <a:ext cx="0" cy="0"/>
+          <a:chOff x="0" y="0"/>
+          <a:chExt cx="0" cy="0"/>
+        </a:xfrm>
+      </p:grpSpPr>
+      <p:sp>
+        <p:nvSpPr>
+          <p:cNvPr id="2" name="Title 1"/>
+          <p:cNvSpPr>
+            <a:spLocks noGrp="1"/>
+          </p:cNvSpPr>
+          <p:nvPr>
+            <p:ph type="title"/>
+          </p:nvPr>
+        </p:nvSpPr>
+        <p:spPr/>
+        <p:txBody>
+          <a:bodyPr/>
+          <a:lstStyle/>
+          <a:p>
+            <a:r>
+              <a:rPr lang="ro-RO" dirty="0" smtClean="0"/>
+              <a:t>Bibliography</a:t>
+            </a:r>
+            <a:endParaRPr lang="ro-RO" dirty="0"/>
+          </a:p>
+        </p:txBody>
+      </p:sp>
+      <p:sp>
+        <p:nvSpPr>
+          <p:cNvPr id="3" name="Content Placeholder 2"/>
+          <p:cNvSpPr>
+            <a:spLocks noGrp="1"/>
+          </p:cNvSpPr>
+          <p:nvPr>
+            <p:ph idx="1"/>
+          </p:nvPr>
+        </p:nvSpPr>
+        <p:spPr>
+          <a:xfrm>
+            <a:off x="571472" y="2000240"/>
+            <a:ext cx="8229600" cy="4389120"/>
+          </a:xfrm>
+        </p:spPr>
+        <p:txBody>
+          <a:bodyPr/>
+          <a:lstStyle/>
+          <a:p>
+            <a:r>
+              <a:rPr lang="ro-RO" dirty="0" smtClean="0"/>
+              <a:t>Wikipedia.org</a:t>
+            </a:r>
+          </a:p>
+          <a:p>
+            <a:r>
+              <a:rPr lang="ro-RO" dirty="0" smtClean="0"/>
+              <a:t>Google.ro</a:t>
+            </a:r>
+          </a:p>
+          <a:p>
+            <a:r>
+              <a:rPr lang="vi-VN" dirty="0" smtClean="0"/>
+              <a:t>Dumitru Dan Burdescu, Marian Cristian </a:t>
+            </a:r>
+            <a:r>
+              <a:rPr lang="vi-VN" dirty="0" smtClean="0"/>
+              <a:t>Mihăescu</a:t>
+            </a:r>
+            <a:r>
+              <a:rPr lang="ro-RO" dirty="0" smtClean="0"/>
+              <a:t>-</a:t>
+            </a:r>
+            <a:r>
+              <a:rPr lang="vi-VN" dirty="0" smtClean="0"/>
+              <a:t>Algorithms </a:t>
+            </a:r>
+            <a:r>
+              <a:rPr lang="vi-VN" dirty="0" smtClean="0"/>
+              <a:t>and Data Structures</a:t>
+            </a:r>
+            <a:endParaRPr lang="ro-RO" dirty="0" smtClean="0"/>
+          </a:p>
+          <a:p>
+            <a:endParaRPr lang="ro-RO" dirty="0"/>
+          </a:p>
+        </p:txBody>
+      </p:sp>
+    </p:spTree>
+  </p:cSld>
+  <p:clrMapOvr>
+    <a:masterClrMapping/>
+  </p:clrMapOvr>
 </p:sld>
 </file>
 
@@ -4103,7 +4570,7 @@
           <a:p>
             <a:r>
               <a:rPr lang="ro-RO" dirty="0" smtClean="0"/>
-              <a:t>Basic ideea</a:t>
+              <a:t>Problem statement</a:t>
             </a:r>
             <a:endParaRPr lang="ro-RO" dirty="0"/>
           </a:p>
@@ -4156,31 +4623,31 @@
           <a:p>
             <a:r>
               <a:rPr lang="ro-RO" dirty="0" smtClean="0"/>
-              <a:t>We have</a:t>
+              <a:t>	</a:t>
             </a:r>
             <a:r>
               <a:rPr lang="en-US" dirty="0" smtClean="0"/>
-              <a:t> set of intervals and we want to see if a given </a:t>
-            </a:r>
-            <a:r>
-              <a:rPr lang="ro-RO" dirty="0" smtClean="0"/>
-              <a:t>interval </a:t>
+              <a:t>Considering </a:t>
             </a:r>
             <a:r>
               <a:rPr lang="en-US" dirty="0" smtClean="0"/>
-              <a:t>intersects</a:t>
-            </a:r>
-            <a:r>
-              <a:rPr lang="ro-RO" dirty="0" smtClean="0"/>
-              <a:t> any of</a:t>
+              <a:t>a set of intervals</a:t>
             </a:r>
             <a:r>
               <a:rPr lang="en-US" dirty="0" smtClean="0"/>
-              <a:t> these intervals</a:t>
-            </a:r>
-            <a:r>
-              <a:rPr lang="ro-RO" dirty="0" smtClean="0"/>
-              <a:t>.</a:t>
+              <a:t>,</a:t>
+            </a:r>
+            <a:r>
+              <a:rPr lang="ro-RO" dirty="0" smtClean="0"/>
+              <a:t> </a:t>
+            </a:r>
+            <a:r>
+              <a:rPr lang="en-US" dirty="0" smtClean="0"/>
+              <a:t>find </a:t>
+            </a:r>
+            <a:r>
+              <a:rPr lang="en-US" dirty="0" smtClean="0"/>
+              <a:t>all intervals that overlap with any given interval or point. </a:t>
             </a:r>
             <a:endParaRPr lang="ro-RO" dirty="0"/>
           </a:p>
@@ -4317,7 +4784,7 @@
         <p:spPr>
           <a:xfrm>
             <a:off x="857224" y="1500174"/>
-            <a:ext cx="6357982" cy="646331"/>
+            <a:ext cx="7786742" cy="646331"/>
           </a:xfrm>
           <a:prstGeom prst="rect">
             <a:avLst/>
@@ -4331,8 +4798,16 @@
           <a:lstStyle/>
           <a:p>
             <a:r>
+              <a:rPr lang="ro-RO" dirty="0" smtClean="0"/>
+              <a:t>	</a:t>
+            </a:r>
+            <a:r>
               <a:rPr lang="en-US" dirty="0" smtClean="0"/>
-              <a:t>The trivial solution is to visit each interval and test whether it intersects the given point or interval</a:t>
+              <a:t>The </a:t>
+            </a:r>
+            <a:r>
+              <a:rPr lang="en-US" dirty="0" smtClean="0"/>
+              <a:t>trivial solution is to visit each interval and test whether it intersects the given point or interval</a:t>
             </a:r>
             <a:r>
               <a:rPr lang="ro-RO" dirty="0" smtClean="0"/>
@@ -4777,8 +5252,8 @@
         </p:nvSpPr>
         <p:spPr>
           <a:xfrm>
-            <a:off x="857224" y="1643050"/>
-            <a:ext cx="7858180" cy="4247317"/>
+            <a:off x="714348" y="1643050"/>
+            <a:ext cx="2857520" cy="2571767"/>
           </a:xfrm>
           <a:prstGeom prst="rect">
             <a:avLst/>
@@ -4792,8 +5267,16 @@
           <a:lstStyle/>
           <a:p>
             <a:r>
+              <a:rPr lang="ro-RO" i="1" dirty="0" smtClean="0">
+                <a:solidFill>
+                  <a:schemeClr val="accent1"/>
+                </a:solidFill>
+              </a:rPr>
+              <a:t>struct</a:t>
+            </a:r>
+            <a:r>
               <a:rPr lang="ro-RO" i="1" dirty="0" smtClean="0"/>
-              <a:t>struct </a:t>
+              <a:t> </a:t>
             </a:r>
             <a:r>
               <a:rPr lang="ro-RO" i="1" dirty="0"/>
@@ -4826,8 +5309,16 @@
           </a:p>
           <a:p>
             <a:r>
+              <a:rPr lang="ro-RO" i="1" dirty="0">
+                <a:solidFill>
+                  <a:schemeClr val="accent1"/>
+                </a:solidFill>
+              </a:rPr>
+              <a:t>int</a:t>
+            </a:r>
+            <a:r>
               <a:rPr lang="ro-RO" i="1" dirty="0"/>
-              <a:t>int maxRight; </a:t>
+              <a:t> maxRight; </a:t>
             </a:r>
           </a:p>
           <a:p>
@@ -4838,70 +5329,228 @@
             <a:endParaRPr lang="ro-RO" i="1" dirty="0" smtClean="0"/>
           </a:p>
           <a:p>
-            <a:endParaRPr lang="ro-RO" i="1" dirty="0" smtClean="0"/>
-          </a:p>
-          <a:p>
-            <a:r>
-              <a:rPr lang="ro-RO" dirty="0"/>
+            <a:endParaRPr lang="ro-RO" dirty="0"/>
+          </a:p>
+          <a:p>
+            <a:endParaRPr lang="ro-RO" dirty="0"/>
+          </a:p>
+        </p:txBody>
+      </p:sp>
+      <p:sp>
+        <p:nvSpPr>
+          <p:cNvPr id="5" name="TextBox 4"/>
+          <p:cNvSpPr txBox="1"/>
+          <p:nvPr/>
+        </p:nvSpPr>
+        <p:spPr>
+          <a:xfrm>
+            <a:off x="3500430" y="1785926"/>
+            <a:ext cx="4572032" cy="2585323"/>
+          </a:xfrm>
+          <a:prstGeom prst="rect">
+            <a:avLst/>
+          </a:prstGeom>
+          <a:noFill/>
+        </p:spPr>
+        <p:txBody>
+          <a:bodyPr wrap="square" rtlCol="0">
+            <a:spAutoFit/>
+          </a:bodyPr>
+          <a:lstStyle/>
+          <a:p>
+            <a:r>
+              <a:rPr lang="ro-RO" sz="1600" dirty="0" smtClean="0"/>
               <a:t>Where: </a:t>
             </a:r>
           </a:p>
           <a:p>
             <a:r>
-              <a:rPr lang="en-US" dirty="0" err="1" smtClean="0"/>
+              <a:rPr lang="en-US" sz="1600" dirty="0" err="1" smtClean="0"/>
               <a:t>BSTNode</a:t>
             </a:r>
             <a:r>
-              <a:rPr lang="en-US" dirty="0" smtClean="0"/>
+              <a:rPr lang="en-US" sz="1600" dirty="0" smtClean="0"/>
+              <a:t> *left-is a pointer to the left node of the tree </a:t>
+            </a:r>
+          </a:p>
+          <a:p>
+            <a:r>
+              <a:rPr lang="en-US" sz="1600" dirty="0" err="1" smtClean="0"/>
+              <a:t>BSTNode</a:t>
+            </a:r>
+            <a:r>
+              <a:rPr lang="en-US" sz="1600" dirty="0" smtClean="0"/>
+              <a:t> *right- is a pointer to the right node of the tree </a:t>
+            </a:r>
+          </a:p>
+          <a:p>
+            <a:r>
+              <a:rPr lang="ro-RO" sz="1600" dirty="0" smtClean="0"/>
+              <a:t>Interval nodeInfo keep the left and the right end of the interval</a:t>
+            </a:r>
+          </a:p>
+          <a:p>
+            <a:r>
+              <a:rPr lang="en-US" sz="1600" dirty="0" err="1" smtClean="0"/>
+              <a:t>int</a:t>
+            </a:r>
+            <a:r>
+              <a:rPr lang="en-US" sz="1600" dirty="0" smtClean="0"/>
               <a:t> </a:t>
             </a:r>
             <a:r>
-              <a:rPr lang="en-US" dirty="0"/>
-              <a:t>*left-is a pointer to the left node of the tree </a:t>
-            </a:r>
-          </a:p>
-          <a:p>
-            <a:r>
-              <a:rPr lang="en-US" dirty="0" err="1" smtClean="0"/>
-              <a:t>BSTNode</a:t>
-            </a:r>
-            <a:r>
-              <a:rPr lang="en-US" dirty="0" smtClean="0"/>
-              <a:t> </a:t>
-            </a:r>
-            <a:r>
-              <a:rPr lang="en-US" dirty="0"/>
-              <a:t>*right- is a pointer to the right node of the tree </a:t>
-            </a:r>
-          </a:p>
-          <a:p>
-            <a:r>
-              <a:rPr lang="ro-RO" dirty="0" smtClean="0"/>
-              <a:t>Interval nodeInfo keep the left and the right end of the interval</a:t>
-            </a:r>
-          </a:p>
-          <a:p>
-            <a:r>
-              <a:rPr lang="en-US" dirty="0" err="1" smtClean="0"/>
+              <a:rPr lang="en-US" sz="1600" dirty="0" err="1" smtClean="0"/>
+              <a:t>maxRight</a:t>
+            </a:r>
+            <a:r>
+              <a:rPr lang="en-US" sz="1600" dirty="0" smtClean="0"/>
+              <a:t>-keep the maximum end of the intervals added </a:t>
+            </a:r>
+          </a:p>
+          <a:p>
+            <a:endParaRPr lang="ro-RO" dirty="0"/>
+          </a:p>
+        </p:txBody>
+      </p:sp>
+      <p:sp>
+        <p:nvSpPr>
+          <p:cNvPr id="6" name="TextBox 5"/>
+          <p:cNvSpPr txBox="1"/>
+          <p:nvPr/>
+        </p:nvSpPr>
+        <p:spPr>
+          <a:xfrm>
+            <a:off x="642910" y="4286256"/>
+            <a:ext cx="8143932" cy="1477328"/>
+          </a:xfrm>
+          <a:prstGeom prst="rect">
+            <a:avLst/>
+          </a:prstGeom>
+          <a:noFill/>
+        </p:spPr>
+        <p:txBody>
+          <a:bodyPr wrap="square" rtlCol="0">
+            <a:spAutoFit/>
+          </a:bodyPr>
+          <a:lstStyle/>
+          <a:p>
+            <a:r>
+              <a:rPr lang="ro-RO" dirty="0" smtClean="0"/>
+              <a:t>Base function prototipes:</a:t>
+            </a:r>
+          </a:p>
+          <a:p>
+            <a:endParaRPr lang="ro-RO" dirty="0" smtClean="0"/>
+          </a:p>
+          <a:p>
+            <a:pPr>
+              <a:buFont typeface="Courier New" pitchFamily="49" charset="0"/>
+              <a:buChar char="o"/>
+            </a:pPr>
+            <a:r>
+              <a:rPr lang="ro-RO" dirty="0" smtClean="0">
+                <a:solidFill>
+                  <a:srgbClr val="0070C0"/>
+                </a:solidFill>
+              </a:rPr>
+              <a:t>    struct </a:t>
+            </a:r>
+            <a:r>
+              <a:rPr lang="ro-RO" dirty="0" smtClean="0"/>
+              <a:t>BSTNode *insert(</a:t>
+            </a:r>
+            <a:r>
+              <a:rPr lang="ro-RO" dirty="0" smtClean="0">
+                <a:solidFill>
+                  <a:srgbClr val="0070C0"/>
+                </a:solidFill>
+              </a:rPr>
+              <a:t>struct </a:t>
+            </a:r>
+            <a:r>
+              <a:rPr lang="ro-RO" dirty="0" smtClean="0"/>
+              <a:t>BSTNode *root,Interval *newInterval);</a:t>
+            </a:r>
+          </a:p>
+          <a:p>
+            <a:pPr marL="342900" indent="-342900">
+              <a:buFont typeface="Courier New" pitchFamily="49" charset="0"/>
+              <a:buChar char="o"/>
+            </a:pPr>
+            <a:r>
+              <a:rPr lang="ro-RO" dirty="0" smtClean="0">
+                <a:solidFill>
+                  <a:srgbClr val="0070C0"/>
+                </a:solidFill>
+              </a:rPr>
+              <a:t>void</a:t>
+            </a:r>
+            <a:r>
+              <a:rPr lang="ro-RO" dirty="0" smtClean="0"/>
+              <a:t> searchPoint(</a:t>
+            </a:r>
+            <a:r>
+              <a:rPr lang="ro-RO" dirty="0" smtClean="0">
+                <a:solidFill>
+                  <a:srgbClr val="0070C0"/>
+                </a:solidFill>
+              </a:rPr>
+              <a:t>struct </a:t>
+            </a:r>
+            <a:r>
+              <a:rPr lang="ro-RO" dirty="0" smtClean="0"/>
+              <a:t>BSTNode *node,</a:t>
+            </a:r>
+            <a:r>
+              <a:rPr lang="ro-RO" dirty="0" smtClean="0">
+                <a:solidFill>
+                  <a:schemeClr val="accent1"/>
+                </a:solidFill>
+              </a:rPr>
               <a:t>int</a:t>
             </a:r>
             <a:r>
-              <a:rPr lang="en-US" dirty="0" smtClean="0"/>
-              <a:t> </a:t>
-            </a:r>
-            <a:r>
-              <a:rPr lang="en-US" dirty="0" err="1"/>
-              <a:t>maxRight</a:t>
-            </a:r>
-            <a:r>
-              <a:rPr lang="en-US" dirty="0"/>
-              <a:t>-keep the maximum end of the intervals added </a:t>
-            </a:r>
-          </a:p>
-          <a:p>
-            <a:endParaRPr lang="ro-RO" dirty="0"/>
-          </a:p>
-          <a:p>
+              <a:rPr lang="ro-RO" dirty="0" smtClean="0"/>
+              <a:t> point,FILE *fo);</a:t>
+            </a:r>
+          </a:p>
+          <a:p>
+            <a:pPr marL="342900" indent="-342900">
+              <a:buFont typeface="Courier New" pitchFamily="49" charset="0"/>
+              <a:buChar char="o"/>
+            </a:pPr>
+            <a:r>
+              <a:rPr lang="ro-RO" dirty="0" smtClean="0">
+                <a:solidFill>
+                  <a:srgbClr val="0070C0"/>
+                </a:solidFill>
+              </a:rPr>
+              <a:t>void</a:t>
+            </a:r>
+            <a:r>
+              <a:rPr lang="ro-RO" dirty="0" smtClean="0"/>
+              <a:t> segmentIntersect(</a:t>
+            </a:r>
+            <a:r>
+              <a:rPr lang="ro-RO" dirty="0" smtClean="0">
+                <a:solidFill>
+                  <a:srgbClr val="0070C0"/>
+                </a:solidFill>
+              </a:rPr>
+              <a:t>struct</a:t>
+            </a:r>
+            <a:r>
+              <a:rPr lang="ro-RO" dirty="0" smtClean="0"/>
+              <a:t> BSTNode *node,</a:t>
+            </a:r>
+            <a:r>
+              <a:rPr lang="ro-RO" dirty="0" smtClean="0"/>
+              <a:t>I</a:t>
+            </a:r>
+            <a:r>
+              <a:rPr lang="ro-RO" dirty="0" smtClean="0"/>
+              <a:t>nterval *interval,FILE *fo);</a:t>
+            </a:r>
             <a:endParaRPr lang="ro-RO" dirty="0"/>
           </a:p>
         </p:txBody>
@@ -5166,13 +5815,13 @@
         </p:nvSpPr>
         <p:spPr>
           <a:xfrm>
-            <a:off x="928662" y="2143116"/>
-            <a:ext cx="7772400" cy="4572000"/>
+            <a:off x="500034" y="2143116"/>
+            <a:ext cx="4071966" cy="4500594"/>
           </a:xfrm>
         </p:spPr>
         <p:txBody>
           <a:bodyPr>
-            <a:normAutofit/>
+            <a:normAutofit fontScale="85000" lnSpcReduction="10000"/>
           </a:bodyPr>
           <a:lstStyle/>
           <a:p>
@@ -5301,6 +5950,169 @@
           </a:p>
         </p:txBody>
       </p:sp>
+      <p:sp>
+        <p:nvSpPr>
+          <p:cNvPr id="4" name="Content Placeholder 2"/>
+          <p:cNvSpPr txBox="1">
+            <a:spLocks/>
+          </p:cNvSpPr>
+          <p:nvPr/>
+        </p:nvSpPr>
+        <p:spPr>
+          <a:xfrm>
+            <a:off x="4500562" y="2071678"/>
+            <a:ext cx="4071934" cy="4357718"/>
+          </a:xfrm>
+          <a:prstGeom prst="rect">
+            <a:avLst/>
+          </a:prstGeom>
+        </p:spPr>
+        <p:txBody>
+          <a:bodyPr vert="horz">
+            <a:normAutofit/>
+          </a:bodyPr>
+          <a:lstStyle/>
+          <a:p>
+            <a:pPr marL="274320" marR="0" lvl="0" indent="-274320" algn="l" defTabSz="914400" rtl="0" eaLnBrk="1" fontAlgn="auto" latinLnBrk="0" hangingPunct="1">
+              <a:lnSpc>
+                <a:spcPct val="100000"/>
+              </a:lnSpc>
+              <a:spcBef>
+                <a:spcPct val="20000"/>
+              </a:spcBef>
+              <a:spcAft>
+                <a:spcPts val="0"/>
+              </a:spcAft>
+              <a:buClr>
+                <a:schemeClr val="accent3"/>
+              </a:buClr>
+              <a:buSzPct val="95000"/>
+              <a:buFont typeface="Wingdings 2"/>
+              <a:buNone/>
+              <a:tabLst/>
+              <a:defRPr/>
+            </a:pPr>
+            <a:r>
+              <a:rPr kumimoji="0" lang="ro-RO" sz="2600" b="0" i="0" u="none" strike="noStrike" kern="1200" cap="none" spc="0" normalizeH="0" baseline="0" noProof="0" dirty="0" smtClean="0">
+                <a:ln>
+                  <a:noFill/>
+                </a:ln>
+                <a:solidFill>
+                  <a:schemeClr val="tx1"/>
+                </a:solidFill>
+                <a:effectLst/>
+                <a:uLnTx/>
+                <a:uFillTx/>
+                <a:latin typeface="+mn-lt"/>
+                <a:ea typeface="+mn-ea"/>
+                <a:cs typeface="+mn-cs"/>
+              </a:rPr>
+              <a:t>	In our case : a = 2 , b = 2 , f(n) = </a:t>
+            </a:r>
+            <a:r>
+              <a:rPr kumimoji="0" lang="az-Cyrl-AZ" sz="2600" b="0" i="0" u="none" strike="noStrike" kern="1200" cap="none" spc="0" normalizeH="0" baseline="0" noProof="0" dirty="0" smtClean="0">
+                <a:ln>
+                  <a:noFill/>
+                </a:ln>
+                <a:solidFill>
+                  <a:schemeClr val="tx1"/>
+                </a:solidFill>
+                <a:effectLst/>
+                <a:uLnTx/>
+                <a:uFillTx/>
+                <a:latin typeface="+mn-lt"/>
+                <a:ea typeface="+mn-ea"/>
+                <a:cs typeface="+mn-cs"/>
+              </a:rPr>
+              <a:t>Ѳ</a:t>
+            </a:r>
+            <a:r>
+              <a:rPr kumimoji="0" lang="ro-RO" sz="2600" b="1" i="0" u="none" strike="noStrike" kern="1200" cap="none" spc="0" normalizeH="0" baseline="0" noProof="0" dirty="0" smtClean="0">
+                <a:ln>
+                  <a:noFill/>
+                </a:ln>
+                <a:solidFill>
+                  <a:schemeClr val="tx1"/>
+                </a:solidFill>
+                <a:effectLst/>
+                <a:uLnTx/>
+                <a:uFillTx/>
+                <a:latin typeface="+mn-lt"/>
+                <a:ea typeface="+mn-ea"/>
+                <a:cs typeface="+mn-cs"/>
+              </a:rPr>
+              <a:t>(</a:t>
+            </a:r>
+            <a:r>
+              <a:rPr kumimoji="0" lang="ro-RO" sz="2600" b="0" i="0" u="none" strike="noStrike" kern="1200" cap="none" spc="0" normalizeH="0" baseline="0" noProof="0" dirty="0" smtClean="0">
+                <a:ln>
+                  <a:noFill/>
+                </a:ln>
+                <a:solidFill>
+                  <a:schemeClr val="tx1"/>
+                </a:solidFill>
+                <a:effectLst/>
+                <a:uLnTx/>
+                <a:uFillTx/>
+                <a:latin typeface="+mn-lt"/>
+                <a:ea typeface="+mn-ea"/>
+                <a:cs typeface="+mn-cs"/>
+              </a:rPr>
+              <a:t>1),so recurence relation is:</a:t>
+            </a:r>
+          </a:p>
+        </p:txBody>
+      </p:sp>
+      <p:graphicFrame>
+        <p:nvGraphicFramePr>
+          <p:cNvPr id="3073" name="Object 1"/>
+          <p:cNvGraphicFramePr>
+            <a:graphicFrameLocks noChangeAspect="1"/>
+          </p:cNvGraphicFramePr>
+          <p:nvPr/>
+        </p:nvGraphicFramePr>
+        <p:xfrm>
+          <a:off x="4786313" y="3357562"/>
+          <a:ext cx="4268493" cy="1785950"/>
+        </p:xfrm>
+        <a:graphic>
+          <a:graphicData uri="http://schemas.openxmlformats.org/presentationml/2006/ole">
+            <p:oleObj spid="_x0000_s3073" name="Equation" r:id="rId3" imgW="2184120" imgH="914400" progId="Equation.3">
+              <p:embed/>
+            </p:oleObj>
+          </a:graphicData>
+        </a:graphic>
+      </p:graphicFrame>
+      <p:cxnSp>
+        <p:nvCxnSpPr>
+          <p:cNvPr id="7" name="Straight Connector 6"/>
+          <p:cNvCxnSpPr/>
+          <p:nvPr/>
+        </p:nvCxnSpPr>
+        <p:spPr>
+          <a:xfrm rot="16200000" flipH="1">
+            <a:off x="2214558" y="4429120"/>
+            <a:ext cx="4786322" cy="71438"/>
+          </a:xfrm>
+          <a:prstGeom prst="line">
+            <a:avLst/>
+          </a:prstGeom>
+        </p:spPr>
+        <p:style>
+          <a:lnRef idx="1">
+            <a:schemeClr val="accent1"/>
+          </a:lnRef>
+          <a:fillRef idx="0">
+            <a:schemeClr val="accent1"/>
+          </a:fillRef>
+          <a:effectRef idx="0">
+            <a:schemeClr val="accent1"/>
+          </a:effectRef>
+          <a:fontRef idx="minor">
+            <a:schemeClr val="tx1"/>
+          </a:fontRef>
+        </p:style>
+      </p:cxnSp>
     </p:spTree>
   </p:cSld>
   <p:clrMapOvr>
@@ -5338,7 +6150,7 @@
         </p:nvSpPr>
         <p:spPr>
           <a:xfrm>
-            <a:off x="1000100" y="928670"/>
+            <a:off x="1071538" y="785794"/>
             <a:ext cx="7772400" cy="1143000"/>
           </a:xfrm>
         </p:spPr>
@@ -5350,73 +6162,40 @@
           <a:p>
             <a:r>
               <a:rPr lang="ro-RO" dirty="0" smtClean="0"/>
-              <a:t>Demonstration</a:t>
+              <a:t>Running time</a:t>
             </a:r>
             <a:br>
               <a:rPr lang="ro-RO" dirty="0" smtClean="0"/>
             </a:br>
             <a:r>
               <a:rPr lang="ro-RO" dirty="0" smtClean="0"/>
-              <a:t>-Master Theorem-</a:t>
+              <a:t>(measured)</a:t>
             </a:r>
             <a:endParaRPr lang="ro-RO" dirty="0"/>
           </a:p>
         </p:txBody>
       </p:sp>
-      <p:sp>
-        <p:nvSpPr>
-          <p:cNvPr id="3" name="Content Placeholder 2"/>
-          <p:cNvSpPr>
-            <a:spLocks noGrp="1"/>
-          </p:cNvSpPr>
+      <p:pic>
+        <p:nvPicPr>
+          <p:cNvPr id="2052" name="Picture 4"/>
+          <p:cNvPicPr>
+            <a:picLocks noGrp="1" noChangeAspect="1" noChangeArrowheads="1"/>
+          </p:cNvPicPr>
           <p:nvPr>
             <p:ph idx="1"/>
           </p:nvPr>
-        </p:nvSpPr>
-        <p:spPr>
-          <a:xfrm>
-            <a:off x="1000100" y="2286000"/>
-            <a:ext cx="7772400" cy="4572000"/>
-          </a:xfrm>
-        </p:spPr>
-        <p:txBody>
-          <a:bodyPr/>
-          <a:lstStyle/>
-          <a:p>
-            <a:pPr>
-              <a:buNone/>
-            </a:pPr>
-            <a:r>
-              <a:rPr lang="ro-RO" dirty="0" smtClean="0"/>
-              <a:t>	In our case : a = 2 , b = 2 , f(n) = </a:t>
-            </a:r>
-            <a:r>
-              <a:rPr lang="az-Cyrl-AZ" dirty="0" smtClean="0"/>
-              <a:t>Ѳ</a:t>
-            </a:r>
-            <a:r>
-              <a:rPr lang="ro-RO" b="1" dirty="0" smtClean="0"/>
-              <a:t>(</a:t>
-            </a:r>
-            <a:r>
-              <a:rPr lang="ro-RO" dirty="0" smtClean="0"/>
-              <a:t>1),so recurence relation is:</a:t>
-            </a:r>
-          </a:p>
-        </p:txBody>
-      </p:sp>
-      <p:sp>
-        <p:nvSpPr>
-          <p:cNvPr id="2054" name="Rectangle 6"/>
-          <p:cNvSpPr>
-            <a:spLocks noChangeArrowheads="1"/>
-          </p:cNvSpPr>
-          <p:nvPr/>
-        </p:nvSpPr>
+        </p:nvPicPr>
+        <p:blipFill>
+          <a:blip r:embed="rId2" cstate="print"/>
+          <a:srcRect/>
+          <a:stretch>
+            <a:fillRect/>
+          </a:stretch>
+        </p:blipFill>
         <p:spPr bwMode="auto">
           <a:xfrm>
-            <a:off x="0" y="0"/>
-            <a:ext cx="9144000" cy="457200"/>
+            <a:off x="785786" y="1928802"/>
+            <a:ext cx="7286625" cy="4588579"/>
           </a:xfrm>
           <a:prstGeom prst="rect">
             <a:avLst/>
@@ -5430,121 +6209,19 @@
           </a:ln>
           <a:effectLst/>
         </p:spPr>
-        <p:txBody>
-          <a:bodyPr vert="horz" wrap="none" lIns="91440" tIns="45720" rIns="91440" bIns="45720" numCol="1" anchor="ctr" anchorCtr="0" compatLnSpc="1">
-            <a:prstTxWarp prst="textNoShape">
-              <a:avLst/>
-            </a:prstTxWarp>
-            <a:spAutoFit/>
-          </a:bodyPr>
-          <a:lstStyle/>
-          <a:p>
-            <a:endParaRPr lang="ro-RO"/>
-          </a:p>
-        </p:txBody>
-      </p:sp>
-      <p:sp>
-        <p:nvSpPr>
-          <p:cNvPr id="2056" name="Rectangle 8"/>
-          <p:cNvSpPr>
-            <a:spLocks noChangeArrowheads="1"/>
-          </p:cNvSpPr>
-          <p:nvPr/>
-        </p:nvSpPr>
-        <p:spPr bwMode="auto">
-          <a:xfrm>
-            <a:off x="0" y="0"/>
-            <a:ext cx="9144000" cy="457200"/>
-          </a:xfrm>
-          <a:prstGeom prst="rect">
-            <a:avLst/>
-          </a:prstGeom>
-          <a:noFill/>
-          <a:ln w="9525">
-            <a:noFill/>
-            <a:miter lim="800000"/>
-            <a:headEnd/>
-            <a:tailEnd/>
-          </a:ln>
-          <a:effectLst/>
-        </p:spPr>
-        <p:txBody>
-          <a:bodyPr vert="horz" wrap="none" lIns="91440" tIns="45720" rIns="91440" bIns="45720" numCol="1" anchor="ctr" anchorCtr="0" compatLnSpc="1">
-            <a:prstTxWarp prst="textNoShape">
-              <a:avLst/>
-            </a:prstTxWarp>
-            <a:spAutoFit/>
-          </a:bodyPr>
-          <a:lstStyle/>
-          <a:p>
-            <a:endParaRPr lang="ro-RO"/>
-          </a:p>
-        </p:txBody>
-      </p:sp>
-      <p:sp>
-        <p:nvSpPr>
-          <p:cNvPr id="2060" name="Rectangle 12"/>
-          <p:cNvSpPr>
-            <a:spLocks noChangeArrowheads="1"/>
-          </p:cNvSpPr>
-          <p:nvPr/>
-        </p:nvSpPr>
-        <p:spPr bwMode="auto">
-          <a:xfrm>
-            <a:off x="0" y="0"/>
-            <a:ext cx="9144000" cy="0"/>
-          </a:xfrm>
-          <a:prstGeom prst="rect">
-            <a:avLst/>
-          </a:prstGeom>
-          <a:noFill/>
-          <a:ln w="9525">
-            <a:noFill/>
-            <a:miter lim="800000"/>
-            <a:headEnd/>
-            <a:tailEnd/>
-          </a:ln>
-          <a:effectLst/>
-        </p:spPr>
-        <p:txBody>
-          <a:bodyPr vert="horz" wrap="none" lIns="91440" tIns="45720" rIns="91440" bIns="45720" numCol="1" anchor="ctr" anchorCtr="0" compatLnSpc="1">
-            <a:prstTxWarp prst="textNoShape">
-              <a:avLst/>
-            </a:prstTxWarp>
-            <a:spAutoFit/>
-          </a:bodyPr>
-          <a:lstStyle/>
-          <a:p>
-            <a:endParaRPr lang="ro-RO"/>
-          </a:p>
-        </p:txBody>
-      </p:sp>
-      <p:graphicFrame>
-        <p:nvGraphicFramePr>
-          <p:cNvPr id="2063" name="Object 15"/>
-          <p:cNvGraphicFramePr>
-            <a:graphicFrameLocks noChangeAspect="1"/>
-          </p:cNvGraphicFramePr>
-          <p:nvPr/>
-        </p:nvGraphicFramePr>
-        <p:xfrm>
-          <a:off x="1357290" y="3286124"/>
-          <a:ext cx="4572000" cy="1912937"/>
-        </p:xfrm>
-        <a:graphic>
-          <a:graphicData uri="http://schemas.openxmlformats.org/presentationml/2006/ole">
-            <p:oleObj spid="_x0000_s2063" name="Equation" r:id="rId3" imgW="2184120" imgH="914400" progId="Equation.3">
-              <p:embed/>
-            </p:oleObj>
-          </a:graphicData>
-        </a:graphic>
-      </p:graphicFrame>
+      </p:pic>
     </p:spTree>
   </p:cSld>
   <p:clrMapOvr>
     <a:masterClrMapping/>
   </p:clrMapOvr>
-  <p:transition/>
+  <p:timing>
+    <p:tnLst>
+      <p:par>
+        <p:cTn id="1" dur="indefinite" restart="never" nodeType="tmRoot"/>
+      </p:par>
+    </p:tnLst>
+  </p:timing>
 </p:sld>
 </file>
 
@@ -5567,88 +6244,160 @@
       </p:grpSpPr>
       <p:sp>
         <p:nvSpPr>
-          <p:cNvPr id="2" name="Title 1"/>
-          <p:cNvSpPr>
-            <a:spLocks noGrp="1"/>
-          </p:cNvSpPr>
-          <p:nvPr>
-            <p:ph type="title"/>
+          <p:cNvPr id="3" name="Content Placeholder 2"/>
+          <p:cNvSpPr>
+            <a:spLocks noGrp="1"/>
+          </p:cNvSpPr>
+          <p:nvPr>
+            <p:ph idx="1"/>
           </p:nvPr>
         </p:nvSpPr>
         <p:spPr>
           <a:xfrm>
-            <a:off x="1071538" y="785794"/>
-            <a:ext cx="7772400" cy="1143000"/>
+            <a:off x="1928794" y="2357430"/>
+            <a:ext cx="5000660" cy="1350644"/>
           </a:xfrm>
         </p:spPr>
         <p:txBody>
           <a:bodyPr>
-            <a:normAutofit fontScale="90000"/>
+            <a:normAutofit fontScale="92500"/>
+            <a:scene3d>
+              <a:camera prst="orthographicFront"/>
+              <a:lightRig rig="soft" dir="tl">
+                <a:rot lat="0" lon="0" rev="0"/>
+              </a:lightRig>
+            </a:scene3d>
+            <a:sp3d contourW="25400" prstMaterial="matte">
+              <a:bevelT w="25400" h="55880" prst="artDeco"/>
+              <a:contourClr>
+                <a:schemeClr val="accent2">
+                  <a:tint val="20000"/>
+                </a:schemeClr>
+              </a:contourClr>
+            </a:sp3d>
           </a:bodyPr>
           <a:lstStyle/>
           <a:p>
-            <a:r>
-              <a:rPr lang="ro-RO" dirty="0" smtClean="0"/>
-              <a:t>Running time</a:t>
-            </a:r>
-            <a:br>
-              <a:rPr lang="ro-RO" dirty="0" smtClean="0"/>
-            </a:br>
-            <a:r>
-              <a:rPr lang="ro-RO" dirty="0" smtClean="0"/>
-              <a:t>(measured)</a:t>
-            </a:r>
-            <a:endParaRPr lang="ro-RO" dirty="0"/>
-          </a:p>
-        </p:txBody>
-      </p:sp>
-      <p:pic>
-        <p:nvPicPr>
-          <p:cNvPr id="2052" name="Picture 4"/>
-          <p:cNvPicPr>
-            <a:picLocks noGrp="1" noChangeAspect="1" noChangeArrowheads="1"/>
-          </p:cNvPicPr>
-          <p:nvPr>
-            <p:ph idx="1"/>
-          </p:nvPr>
-        </p:nvPicPr>
-        <p:blipFill>
-          <a:blip r:embed="rId2" cstate="print"/>
-          <a:srcRect/>
-          <a:stretch>
-            <a:fillRect/>
-          </a:stretch>
-        </p:blipFill>
-        <p:spPr bwMode="auto">
+            <a:pPr>
+              <a:buNone/>
+            </a:pPr>
+            <a:r>
+              <a:rPr lang="ro-RO" sz="7200" b="1" spc="50" dirty="0" smtClean="0">
+                <a:ln w="11430"/>
+                <a:solidFill>
+                  <a:schemeClr val="accent1"/>
+                </a:solidFill>
+                <a:effectLst>
+                  <a:outerShdw blurRad="76200" dist="50800" dir="5400000" algn="tl" rotWithShape="0">
+                    <a:srgbClr val="000000">
+                      <a:alpha val="65000"/>
+                    </a:srgbClr>
+                  </a:outerShdw>
+                </a:effectLst>
+              </a:rPr>
+              <a:t>Thank you!</a:t>
+            </a:r>
+            <a:endParaRPr lang="ro-RO" sz="7200" b="1" spc="50" dirty="0">
+              <a:ln w="11430"/>
+              <a:solidFill>
+                <a:schemeClr val="accent1"/>
+              </a:solidFill>
+              <a:effectLst>
+                <a:outerShdw blurRad="76200" dist="50800" dir="5400000" algn="tl" rotWithShape="0">
+                  <a:srgbClr val="000000">
+                    <a:alpha val="65000"/>
+                  </a:srgbClr>
+                </a:outerShdw>
+              </a:effectLst>
+            </a:endParaRPr>
+          </a:p>
+        </p:txBody>
+      </p:sp>
+      <p:sp>
+        <p:nvSpPr>
+          <p:cNvPr id="4" name="TextBox 3"/>
+          <p:cNvSpPr txBox="1"/>
+          <p:nvPr/>
+        </p:nvSpPr>
+        <p:spPr>
           <a:xfrm>
-            <a:off x="785786" y="1928802"/>
-            <a:ext cx="7286625" cy="4588579"/>
+            <a:off x="285720" y="5286388"/>
+            <a:ext cx="8643998" cy="923330"/>
           </a:xfrm>
           <a:prstGeom prst="rect">
             <a:avLst/>
           </a:prstGeom>
-          <a:noFill/>
-          <a:ln w="9525">
-            <a:noFill/>
-            <a:miter lim="800000"/>
-            <a:headEnd/>
-            <a:tailEnd/>
+          <a:solidFill>
+            <a:schemeClr val="accent1"/>
+          </a:solidFill>
+          <a:ln>
+            <a:solidFill>
+              <a:schemeClr val="accent1"/>
+            </a:solidFill>
           </a:ln>
-          <a:effectLst/>
-        </p:spPr>
-      </p:pic>
+        </p:spPr>
+        <p:txBody>
+          <a:bodyPr wrap="square" rtlCol="0">
+            <a:spAutoFit/>
+          </a:bodyPr>
+          <a:lstStyle/>
+          <a:p>
+            <a:r>
+              <a:rPr lang="en-US" dirty="0" smtClean="0">
+                <a:solidFill>
+                  <a:schemeClr val="bg1"/>
+                </a:solidFill>
+              </a:rPr>
+              <a:t>The implementation of the algorithm can be </a:t>
+            </a:r>
+            <a:r>
+              <a:rPr lang="en-US" dirty="0" smtClean="0">
+                <a:solidFill>
+                  <a:schemeClr val="bg1"/>
+                </a:solidFill>
+              </a:rPr>
+              <a:t>found</a:t>
+            </a:r>
+            <a:r>
+              <a:rPr lang="ro-RO" dirty="0" smtClean="0">
+                <a:solidFill>
+                  <a:schemeClr val="bg1"/>
+                </a:solidFill>
+              </a:rPr>
+              <a:t> </a:t>
+            </a:r>
+            <a:r>
+              <a:rPr lang="ro-RO" dirty="0" smtClean="0">
+                <a:solidFill>
+                  <a:schemeClr val="bg1"/>
+                </a:solidFill>
+              </a:rPr>
+              <a:t>at:</a:t>
+            </a:r>
+          </a:p>
+          <a:p>
+            <a:r>
+              <a:rPr lang="ro-RO" dirty="0" smtClean="0">
+                <a:solidFill>
+                  <a:schemeClr val="accent1"/>
+                </a:solidFill>
+                <a:hlinkClick r:id="rId2"/>
+              </a:rPr>
+              <a:t>https://github.com/mihaescu/ADS/tree/master/BST/Geometric%20Applications/Interval%20Search%20by%20Iordache%20Lucian</a:t>
+            </a:r>
+            <a:endParaRPr lang="ro-RO" dirty="0" smtClean="0">
+              <a:solidFill>
+                <a:schemeClr val="accent1"/>
+              </a:solidFill>
+            </a:endParaRPr>
+          </a:p>
+        </p:txBody>
+      </p:sp>
     </p:spTree>
   </p:cSld>
   <p:clrMapOvr>
     <a:masterClrMapping/>
   </p:clrMapOvr>
-  <p:timing>
-    <p:tnLst>
-      <p:par>
-        <p:cTn id="1" dur="indefinite" restart="never" nodeType="tmRoot"/>
-      </p:par>
-    </p:tnLst>
-  </p:timing>
 </p:sld>
 </file>
 
@@ -5945,4 +6694,287 @@
   <a:objectDefaults/>
   <a:extraClrSchemeLst/>
 </a:theme>
+</file>
+
+<file path=ppt/theme/theme2.xml><?xml version="1.0" encoding="utf-8"?>
+<a:theme xmlns:a="http://schemas.openxmlformats.org/drawingml/2006/main" name="Office Theme">
+  <a:themeElements>
+    <a:clrScheme name="Office">
+      <a:dk1>
+        <a:sysClr val="windowText" lastClr="000000"/>
+      </a:dk1>
+      <a:lt1>
+        <a:sysClr val="window" lastClr="FFFFFF"/>
+      </a:lt1>
+      <a:dk2>
+        <a:srgbClr val="1F497D"/>
+      </a:dk2>
+      <a:lt2>
+        <a:srgbClr val="EEECE1"/>
+      </a:lt2>
+      <a:accent1>
+        <a:srgbClr val="4F81BD"/>
+      </a:accent1>
+      <a:accent2>
+        <a:srgbClr val="C0504D"/>
+      </a:accent2>
+      <a:accent3>
+        <a:srgbClr val="9BBB59"/>
+      </a:accent3>
+      <a:accent4>
+        <a:srgbClr val="8064A2"/>
+      </a:accent4>
+      <a:accent5>
+        <a:srgbClr val="4BACC6"/>
+      </a:accent5>
+      <a:accent6>
+        <a:srgbClr val="F79646"/>
+      </a:accent6>
+      <a:hlink>
+        <a:srgbClr val="0000FF"/>
+      </a:hlink>
+      <a:folHlink>
+        <a:srgbClr val="800080"/>
+      </a:folHlink>
+    </a:clrScheme>
+    <a:fontScheme name="Office">
+      <a:majorFont>
+        <a:latin typeface="Calibri"/>
+        <a:ea typeface=""/>
+        <a:cs typeface=""/>
+        <a:font script="Jpan" typeface="ＭＳ Ｐゴシック"/>
+        <a:font script="Hang" typeface="맑은 고딕"/>
+        <a:font script="Hans" typeface="宋体"/>
+        <a:font script="Hant" typeface="新細明體"/>
+        <a:font script="Arab" typeface="Times New Roman"/>
+        <a:font script="Hebr" typeface="Times New Roman"/>
+        <a:font script="Thai" typeface="Angsana New"/>
+        <a:font script="Ethi" typeface="Nyala"/>
+        <a:font script="Beng" typeface="Vrinda"/>
+        <a:font script="Gujr" typeface="Shruti"/>
+        <a:font script="Khmr" typeface="MoolBoran"/>
+        <a:font script="Knda" typeface="Tunga"/>
+        <a:font script="Guru" typeface="Raavi"/>
+        <a:font script="Cans" typeface="Euphemia"/>
+        <a:font script="Cher" typeface="Plantagenet Cherokee"/>
+        <a:font script="Yiii" typeface="Microsoft Yi Baiti"/>
+        <a:font script="Tibt" typeface="Microsoft Himalaya"/>
+        <a:font script="Thaa" typeface="MV Boli"/>
+        <a:font script="Deva" typeface="Mangal"/>
+        <a:font script="Telu" typeface="Gautami"/>
+        <a:font script="Taml" typeface="Latha"/>
+        <a:font script="Syrc" typeface="Estrangelo Edessa"/>
+        <a:font script="Orya" typeface="Kalinga"/>
+        <a:font script="Mlym" typeface="Kartika"/>
+        <a:font script="Laoo" typeface="DokChampa"/>
+        <a:font script="Sinh" typeface="Iskoola Pota"/>
+        <a:font script="Mong" typeface="Mongolian Baiti"/>
+        <a:font script="Viet" typeface="Times New Roman"/>
+        <a:font script="Uigh" typeface="Microsoft Uighur"/>
+      </a:majorFont>
+      <a:minorFont>
+        <a:latin typeface="Calibri"/>
+        <a:ea typeface=""/>
+        <a:cs typeface=""/>
+        <a:font script="Jpan" typeface="ＭＳ Ｐゴシック"/>
+        <a:font script="Hang" typeface="맑은 고딕"/>
+        <a:font script="Hans" typeface="宋体"/>
+        <a:font script="Hant" typeface="新細明體"/>
+        <a:font script="Arab" typeface="Arial"/>
+        <a:font script="Hebr" typeface="Arial"/>
+        <a:font script="Thai" typeface="Cordia New"/>
+        <a:font script="Ethi" typeface="Nyala"/>
+        <a:font script="Beng" typeface="Vrinda"/>
+        <a:font script="Gujr" typeface="Shruti"/>
+        <a:font script="Khmr" typeface="DaunPenh"/>
+        <a:font script="Knda" typeface="Tunga"/>
+        <a:font script="Guru" typeface="Raavi"/>
+        <a:font script="Cans" typeface="Euphemia"/>
+        <a:font script="Cher" typeface="Plantagenet Cherokee"/>
+        <a:font script="Yiii" typeface="Microsoft Yi Baiti"/>
+        <a:font script="Tibt" typeface="Microsoft Himalaya"/>
+        <a:font script="Thaa" typeface="MV Boli"/>
+        <a:font script="Deva" typeface="Mangal"/>
+        <a:font script="Telu" typeface="Gautami"/>
+        <a:font script="Taml" typeface="Latha"/>
+        <a:font script="Syrc" typeface="Estrangelo Edessa"/>
+        <a:font script="Orya" typeface="Kalinga"/>
+        <a:font script="Mlym" typeface="Kartika"/>
+        <a:font script="Laoo" typeface="DokChampa"/>
+        <a:font script="Sinh" typeface="Iskoola Pota"/>
+        <a:font script="Mong" typeface="Mongolian Baiti"/>
+        <a:font script="Viet" typeface="Arial"/>
+        <a:font script="Uigh" typeface="Microsoft Uighur"/>
+      </a:minorFont>
+    </a:fontScheme>
+    <a:fmtScheme name="Office">
+      <a:fillStyleLst>
+        <a:solidFill>
+          <a:schemeClr val="phClr"/>
+        </a:solidFill>
+        <a:gradFill rotWithShape="1">
+          <a:gsLst>
+            <a:gs pos="0">
+              <a:schemeClr val="phClr">
+                <a:tint val="50000"/>
+                <a:satMod val="300000"/>
+              </a:schemeClr>
+            </a:gs>
+            <a:gs pos="35000">
+              <a:schemeClr val="phClr">
+                <a:tint val="37000"/>
+                <a:satMod val="300000"/>
+              </a:schemeClr>
+            </a:gs>
+            <a:gs pos="100000">
+              <a:schemeClr val="phClr">
+                <a:tint val="15000"/>
+                <a:satMod val="350000"/>
+              </a:schemeClr>
+            </a:gs>
+          </a:gsLst>
+          <a:lin ang="16200000" scaled="1"/>
+        </a:gradFill>
+        <a:gradFill rotWithShape="1">
+          <a:gsLst>
+            <a:gs pos="0">
+              <a:schemeClr val="phClr">
+                <a:shade val="51000"/>
+                <a:satMod val="130000"/>
+              </a:schemeClr>
+            </a:gs>
+            <a:gs pos="80000">
+              <a:schemeClr val="phClr">
+                <a:shade val="93000"/>
+                <a:satMod val="130000"/>
+              </a:schemeClr>
+            </a:gs>
+            <a:gs pos="100000">
+              <a:schemeClr val="phClr">
+                <a:shade val="94000"/>
+                <a:satMod val="135000"/>
+              </a:schemeClr>
+            </a:gs>
+          </a:gsLst>
+          <a:lin ang="16200000" scaled="0"/>
+        </a:gradFill>
+      </a:fillStyleLst>
+      <a:lnStyleLst>
+        <a:ln w="9525" cap="flat" cmpd="sng" algn="ctr">
+          <a:solidFill>
+            <a:schemeClr val="phClr">
+              <a:shade val="95000"/>
+              <a:satMod val="105000"/>
+            </a:schemeClr>
+          </a:solidFill>
+          <a:prstDash val="solid"/>
+        </a:ln>
+        <a:ln w="25400" cap="flat" cmpd="sng" algn="ctr">
+          <a:solidFill>
+            <a:schemeClr val="phClr"/>
+          </a:solidFill>
+          <a:prstDash val="solid"/>
+        </a:ln>
+        <a:ln w="38100" cap="flat" cmpd="sng" algn="ctr">
+          <a:solidFill>
+            <a:schemeClr val="phClr"/>
+          </a:solidFill>
+          <a:prstDash val="solid"/>
+        </a:ln>
+      </a:lnStyleLst>
+      <a:effectStyleLst>
+        <a:effectStyle>
+          <a:effectLst>
+            <a:outerShdw blurRad="40000" dist="20000" dir="5400000" rotWithShape="0">
+              <a:srgbClr val="000000">
+                <a:alpha val="38000"/>
+              </a:srgbClr>
+            </a:outerShdw>
+          </a:effectLst>
+        </a:effectStyle>
+        <a:effectStyle>
+          <a:effectLst>
+            <a:outerShdw blurRad="40000" dist="23000" dir="5400000" rotWithShape="0">
+              <a:srgbClr val="000000">
+                <a:alpha val="35000"/>
+              </a:srgbClr>
+            </a:outerShdw>
+          </a:effectLst>
+        </a:effectStyle>
+        <a:effectStyle>
+          <a:effectLst>
+            <a:outerShdw blurRad="40000" dist="23000" dir="5400000" rotWithShape="0">
+              <a:srgbClr val="000000">
+                <a:alpha val="35000"/>
+              </a:srgbClr>
+            </a:outerShdw>
+          </a:effectLst>
+          <a:scene3d>
+            <a:camera prst="orthographicFront">
+              <a:rot lat="0" lon="0" rev="0"/>
+            </a:camera>
+            <a:lightRig rig="threePt" dir="t">
+              <a:rot lat="0" lon="0" rev="1200000"/>
+            </a:lightRig>
+          </a:scene3d>
+          <a:sp3d>
+            <a:bevelT w="63500" h="25400"/>
+          </a:sp3d>
+        </a:effectStyle>
+      </a:effectStyleLst>
+      <a:bgFillStyleLst>
+        <a:solidFill>
+          <a:schemeClr val="phClr"/>
+        </a:solidFill>
+        <a:gradFill rotWithShape="1">
+          <a:gsLst>
+            <a:gs pos="0">
+              <a:schemeClr val="phClr">
+                <a:tint val="40000"/>
+                <a:satMod val="350000"/>
+              </a:schemeClr>
+            </a:gs>
+            <a:gs pos="40000">
+              <a:schemeClr val="phClr">
+                <a:tint val="45000"/>
+                <a:shade val="99000"/>
+                <a:satMod val="350000"/>
+              </a:schemeClr>
+            </a:gs>
+            <a:gs pos="100000">
+              <a:schemeClr val="phClr">
+                <a:shade val="20000"/>
+                <a:satMod val="255000"/>
+              </a:schemeClr>
+            </a:gs>
+          </a:gsLst>
+          <a:path path="circle">
+            <a:fillToRect l="50000" t="-80000" r="50000" b="180000"/>
+          </a:path>
+        </a:gradFill>
+        <a:gradFill rotWithShape="1">
+          <a:gsLst>
+            <a:gs pos="0">
+              <a:schemeClr val="phClr">
+                <a:tint val="80000"/>
+                <a:satMod val="300000"/>
+              </a:schemeClr>
+            </a:gs>
+            <a:gs pos="100000">
+              <a:schemeClr val="phClr">
+                <a:shade val="30000"/>
+                <a:satMod val="200000"/>
+              </a:schemeClr>
+            </a:gs>
+          </a:gsLst>
+          <a:path path="circle">
+            <a:fillToRect l="50000" t="50000" r="50000" b="50000"/>
+          </a:path>
+        </a:gradFill>
+      </a:bgFillStyleLst>
+    </a:fmtScheme>
+  </a:themeElements>
+  <a:objectDefaults/>
+  <a:extraClrSchemeLst/>
+</a:theme>
 </file>